--- a/Sparse Fourier transform Final Project Report.pptx
+++ b/Sparse Fourier transform Final Project Report.pptx
@@ -5,7 +5,7 @@
     <p:sldMasterId id="2147483648" r:id="rId1"/>
   </p:sldMasterIdLst>
   <p:notesMasterIdLst>
-    <p:notesMasterId r:id="rId16"/>
+    <p:notesMasterId r:id="rId19"/>
   </p:notesMasterIdLst>
   <p:sldIdLst>
     <p:sldId id="256" r:id="rId3"/>
@@ -21,6 +21,9 @@
     <p:sldId id="268" r:id="rId13"/>
     <p:sldId id="269" r:id="rId14"/>
     <p:sldId id="283" r:id="rId15"/>
+    <p:sldId id="304" r:id="rId16"/>
+    <p:sldId id="305" r:id="rId17"/>
+    <p:sldId id="303" r:id="rId18"/>
   </p:sldIdLst>
   <p:sldSz cx="12192000" cy="6858000"/>
   <p:notesSz cx="6858000" cy="9144000"/>
@@ -4907,6 +4910,198 @@
                 </a:outerShdw>
               </a:effectLst>
             </a:endParaRPr>
+          </a:p>
+        </p:txBody>
+      </p:sp>
+    </p:spTree>
+  </p:cSld>
+  <p:clrMapOvr>
+    <a:masterClrMapping/>
+  </p:clrMapOvr>
+</p:sld>
+</file>
+
+<file path=ppt/slides/slide14.xml><?xml version="1.0" encoding="utf-8"?>
+<p:sld xmlns:a="http://schemas.openxmlformats.org/drawingml/2006/main" xmlns:r="http://schemas.openxmlformats.org/officeDocument/2006/relationships" xmlns:p="http://schemas.openxmlformats.org/presentationml/2006/main">
+  <p:cSld>
+    <p:spTree>
+      <p:nvGrpSpPr>
+        <p:cNvPr id="1" name=""/>
+        <p:cNvGrpSpPr/>
+        <p:nvPr/>
+      </p:nvGrpSpPr>
+      <p:grpSpPr/>
+      <p:sp>
+        <p:nvSpPr>
+          <p:cNvPr id="2" name="Title 1"/>
+          <p:cNvSpPr>
+            <a:spLocks noGrp="1"/>
+          </p:cNvSpPr>
+          <p:nvPr>
+            <p:ph type="title"/>
+          </p:nvPr>
+        </p:nvSpPr>
+        <p:spPr/>
+        <p:txBody>
+          <a:bodyPr/>
+          <a:p>
+            <a:r>
+              <a:rPr lang="en-US"/>
+              <a:t>simulation results of figure</a:t>
+            </a:r>
+            <a:endParaRPr lang="en-US"/>
+          </a:p>
+        </p:txBody>
+      </p:sp>
+      <p:sp>
+        <p:nvSpPr>
+          <p:cNvPr id="3" name="Content Placeholder 2"/>
+          <p:cNvSpPr>
+            <a:spLocks noGrp="1"/>
+          </p:cNvSpPr>
+          <p:nvPr>
+            <p:ph idx="1"/>
+          </p:nvPr>
+        </p:nvSpPr>
+        <p:spPr/>
+        <p:txBody>
+          <a:bodyPr/>
+          <a:p>
+            <a:endParaRPr lang="en-US"/>
+          </a:p>
+        </p:txBody>
+      </p:sp>
+    </p:spTree>
+  </p:cSld>
+  <p:clrMapOvr>
+    <a:masterClrMapping/>
+  </p:clrMapOvr>
+</p:sld>
+</file>
+
+<file path=ppt/slides/slide15.xml><?xml version="1.0" encoding="utf-8"?>
+<p:sld xmlns:a="http://schemas.openxmlformats.org/drawingml/2006/main" xmlns:r="http://schemas.openxmlformats.org/officeDocument/2006/relationships" xmlns:p="http://schemas.openxmlformats.org/presentationml/2006/main">
+  <p:cSld>
+    <p:spTree>
+      <p:nvGrpSpPr>
+        <p:cNvPr id="1" name=""/>
+        <p:cNvGrpSpPr/>
+        <p:nvPr/>
+      </p:nvGrpSpPr>
+      <p:grpSpPr/>
+      <p:sp>
+        <p:nvSpPr>
+          <p:cNvPr id="2" name="Title 1"/>
+          <p:cNvSpPr>
+            <a:spLocks noGrp="1"/>
+          </p:cNvSpPr>
+          <p:nvPr>
+            <p:ph type="title"/>
+          </p:nvPr>
+        </p:nvSpPr>
+        <p:spPr/>
+        <p:txBody>
+          <a:bodyPr/>
+          <a:p>
+            <a:r>
+              <a:rPr lang="en-US"/>
+              <a:t>simulation results of figure</a:t>
+            </a:r>
+            <a:endParaRPr lang="en-US"/>
+          </a:p>
+        </p:txBody>
+      </p:sp>
+      <p:sp>
+        <p:nvSpPr>
+          <p:cNvPr id="3" name="Content Placeholder 2"/>
+          <p:cNvSpPr>
+            <a:spLocks noGrp="1"/>
+          </p:cNvSpPr>
+          <p:nvPr>
+            <p:ph idx="1"/>
+          </p:nvPr>
+        </p:nvSpPr>
+        <p:spPr/>
+        <p:txBody>
+          <a:bodyPr/>
+          <a:p>
+            <a:endParaRPr lang="en-US"/>
+          </a:p>
+        </p:txBody>
+      </p:sp>
+    </p:spTree>
+  </p:cSld>
+  <p:clrMapOvr>
+    <a:masterClrMapping/>
+  </p:clrMapOvr>
+</p:sld>
+</file>
+
+<file path=ppt/slides/slide16.xml><?xml version="1.0" encoding="utf-8"?>
+<p:sld xmlns:a="http://schemas.openxmlformats.org/drawingml/2006/main" xmlns:r="http://schemas.openxmlformats.org/officeDocument/2006/relationships" xmlns:p="http://schemas.openxmlformats.org/presentationml/2006/main">
+  <p:cSld>
+    <p:spTree>
+      <p:nvGrpSpPr>
+        <p:cNvPr id="1" name=""/>
+        <p:cNvGrpSpPr/>
+        <p:nvPr/>
+      </p:nvGrpSpPr>
+      <p:grpSpPr/>
+      <p:sp>
+        <p:nvSpPr>
+          <p:cNvPr id="2" name="Title 1"/>
+          <p:cNvSpPr>
+            <a:spLocks noGrp="1"/>
+          </p:cNvSpPr>
+          <p:nvPr>
+            <p:ph type="ctrTitle"/>
+          </p:nvPr>
+        </p:nvSpPr>
+        <p:spPr>
+          <a:xfrm>
+            <a:off x="1524000" y="1122680"/>
+            <a:ext cx="8067040" cy="762635"/>
+          </a:xfrm>
+        </p:spPr>
+        <p:txBody>
+          <a:bodyPr>
+            <a:normAutofit fontScale="90000"/>
+          </a:bodyPr>
+          <a:p>
+            <a:r>
+              <a:rPr lang="en-US"/>
+              <a:t>conclusion</a:t>
+            </a:r>
+            <a:endParaRPr lang="en-US"/>
+          </a:p>
+        </p:txBody>
+      </p:sp>
+      <p:sp>
+        <p:nvSpPr>
+          <p:cNvPr id="3" name="Subtitle 2"/>
+          <p:cNvSpPr>
+            <a:spLocks noGrp="1"/>
+          </p:cNvSpPr>
+          <p:nvPr>
+            <p:ph type="subTitle" idx="1"/>
+          </p:nvPr>
+        </p:nvSpPr>
+        <p:spPr>
+          <a:xfrm>
+            <a:off x="1524000" y="2250758"/>
+            <a:ext cx="9144000" cy="1655762"/>
+          </a:xfrm>
+        </p:spPr>
+        <p:txBody>
+          <a:bodyPr>
+            <a:normAutofit fontScale="90000" lnSpcReduction="20000"/>
+          </a:bodyPr>
+          <a:p>
+            <a:r>
+              <a:rPr lang="en-US"/>
+              <a:t>Now the SFT algorithm can only recovery the signal spectrum with a limited probability, and increasing the probability simply by increasing the number of iterations or iterations will sacrifice time complexity.It is not expected to be at the expense of increasing the computational complexity under the premise of improving the probability of reconstruction</a:t>
+            </a:r>
+            <a:endParaRPr lang="en-US"/>
           </a:p>
         </p:txBody>
       </p:sp>
